--- a/VUE-BASE/vue-base.pptx
+++ b/VUE-BASE/vue-base.pptx
@@ -12,9 +12,9 @@
     <p:sldId id="260" r:id="rId6"/>
     <p:sldId id="261" r:id="rId7"/>
     <p:sldId id="262" r:id="rId8"/>
-    <p:sldId id="263" r:id="rId9"/>
-    <p:sldId id="265" r:id="rId10"/>
-    <p:sldId id="264" r:id="rId11"/>
+    <p:sldId id="264" r:id="rId9"/>
+    <p:sldId id="263" r:id="rId10"/>
+    <p:sldId id="265" r:id="rId11"/>
     <p:sldId id="267" r:id="rId12"/>
   </p:sldIdLst>
   <p:sldSz cx="12192000" cy="6858000"/>
@@ -269,7 +269,7 @@
           <a:p>
             <a:fld id="{55B5673A-2C76-400E-AECF-A7C5CD58B306}" type="datetimeFigureOut">
               <a:rPr lang="zh-TW" altLang="en-US" smtClean="0"/>
-              <a:t>2020/9/25</a:t>
+              <a:t>2020/9/29</a:t>
             </a:fld>
             <a:endParaRPr lang="zh-TW" altLang="en-US"/>
           </a:p>
@@ -467,7 +467,7 @@
           <a:p>
             <a:fld id="{55B5673A-2C76-400E-AECF-A7C5CD58B306}" type="datetimeFigureOut">
               <a:rPr lang="zh-TW" altLang="en-US" smtClean="0"/>
-              <a:t>2020/9/25</a:t>
+              <a:t>2020/9/29</a:t>
             </a:fld>
             <a:endParaRPr lang="zh-TW" altLang="en-US"/>
           </a:p>
@@ -675,7 +675,7 @@
           <a:p>
             <a:fld id="{55B5673A-2C76-400E-AECF-A7C5CD58B306}" type="datetimeFigureOut">
               <a:rPr lang="zh-TW" altLang="en-US" smtClean="0"/>
-              <a:t>2020/9/25</a:t>
+              <a:t>2020/9/29</a:t>
             </a:fld>
             <a:endParaRPr lang="zh-TW" altLang="en-US"/>
           </a:p>
@@ -873,7 +873,7 @@
           <a:p>
             <a:fld id="{55B5673A-2C76-400E-AECF-A7C5CD58B306}" type="datetimeFigureOut">
               <a:rPr lang="zh-TW" altLang="en-US" smtClean="0"/>
-              <a:t>2020/9/25</a:t>
+              <a:t>2020/9/29</a:t>
             </a:fld>
             <a:endParaRPr lang="zh-TW" altLang="en-US"/>
           </a:p>
@@ -1148,7 +1148,7 @@
           <a:p>
             <a:fld id="{55B5673A-2C76-400E-AECF-A7C5CD58B306}" type="datetimeFigureOut">
               <a:rPr lang="zh-TW" altLang="en-US" smtClean="0"/>
-              <a:t>2020/9/25</a:t>
+              <a:t>2020/9/29</a:t>
             </a:fld>
             <a:endParaRPr lang="zh-TW" altLang="en-US"/>
           </a:p>
@@ -1413,7 +1413,7 @@
           <a:p>
             <a:fld id="{55B5673A-2C76-400E-AECF-A7C5CD58B306}" type="datetimeFigureOut">
               <a:rPr lang="zh-TW" altLang="en-US" smtClean="0"/>
-              <a:t>2020/9/25</a:t>
+              <a:t>2020/9/29</a:t>
             </a:fld>
             <a:endParaRPr lang="zh-TW" altLang="en-US"/>
           </a:p>
@@ -1825,7 +1825,7 @@
           <a:p>
             <a:fld id="{55B5673A-2C76-400E-AECF-A7C5CD58B306}" type="datetimeFigureOut">
               <a:rPr lang="zh-TW" altLang="en-US" smtClean="0"/>
-              <a:t>2020/9/25</a:t>
+              <a:t>2020/9/29</a:t>
             </a:fld>
             <a:endParaRPr lang="zh-TW" altLang="en-US"/>
           </a:p>
@@ -1966,7 +1966,7 @@
           <a:p>
             <a:fld id="{55B5673A-2C76-400E-AECF-A7C5CD58B306}" type="datetimeFigureOut">
               <a:rPr lang="zh-TW" altLang="en-US" smtClean="0"/>
-              <a:t>2020/9/25</a:t>
+              <a:t>2020/9/29</a:t>
             </a:fld>
             <a:endParaRPr lang="zh-TW" altLang="en-US"/>
           </a:p>
@@ -2079,7 +2079,7 @@
           <a:p>
             <a:fld id="{55B5673A-2C76-400E-AECF-A7C5CD58B306}" type="datetimeFigureOut">
               <a:rPr lang="zh-TW" altLang="en-US" smtClean="0"/>
-              <a:t>2020/9/25</a:t>
+              <a:t>2020/9/29</a:t>
             </a:fld>
             <a:endParaRPr lang="zh-TW" altLang="en-US"/>
           </a:p>
@@ -2390,7 +2390,7 @@
           <a:p>
             <a:fld id="{55B5673A-2C76-400E-AECF-A7C5CD58B306}" type="datetimeFigureOut">
               <a:rPr lang="zh-TW" altLang="en-US" smtClean="0"/>
-              <a:t>2020/9/25</a:t>
+              <a:t>2020/9/29</a:t>
             </a:fld>
             <a:endParaRPr lang="zh-TW" altLang="en-US"/>
           </a:p>
@@ -2678,7 +2678,7 @@
           <a:p>
             <a:fld id="{55B5673A-2C76-400E-AECF-A7C5CD58B306}" type="datetimeFigureOut">
               <a:rPr lang="zh-TW" altLang="en-US" smtClean="0"/>
-              <a:t>2020/9/25</a:t>
+              <a:t>2020/9/29</a:t>
             </a:fld>
             <a:endParaRPr lang="zh-TW" altLang="en-US"/>
           </a:p>
@@ -2922,7 +2922,7 @@
           <a:p>
             <a:fld id="{55B5673A-2C76-400E-AECF-A7C5CD58B306}" type="datetimeFigureOut">
               <a:rPr lang="zh-TW" altLang="en-US" smtClean="0"/>
-              <a:t>2020/9/25</a:t>
+              <a:t>2020/9/29</a:t>
             </a:fld>
             <a:endParaRPr lang="zh-TW" altLang="en-US"/>
           </a:p>
@@ -3501,240 +3501,46 @@
           <a:chExt cx="0" cy="0"/>
         </a:xfrm>
       </p:grpSpPr>
-      <p:sp>
-        <p:nvSpPr>
-          <p:cNvPr id="2" name="標題 1">
-            <a:extLst>
-              <a:ext uri="{FF2B5EF4-FFF2-40B4-BE49-F238E27FC236}">
-                <a16:creationId xmlns:a16="http://schemas.microsoft.com/office/drawing/2014/main" id="{3592D7BC-04D6-4063-AAAE-BDB5AC195777}"/>
-              </a:ext>
-            </a:extLst>
-          </p:cNvPr>
-          <p:cNvSpPr>
-            <a:spLocks noGrp="1"/>
-          </p:cNvSpPr>
-          <p:nvPr>
-            <p:ph type="title"/>
-          </p:nvPr>
-        </p:nvSpPr>
+      <p:pic>
+        <p:nvPicPr>
+          <p:cNvPr id="7" name="圖片 6">
+            <a:extLst>
+              <a:ext uri="{FF2B5EF4-FFF2-40B4-BE49-F238E27FC236}">
+                <a16:creationId xmlns:a16="http://schemas.microsoft.com/office/drawing/2014/main" id="{CE78DA95-712C-4356-9A27-EDF9AB5F9568}"/>
+              </a:ext>
+            </a:extLst>
+          </p:cNvPr>
+          <p:cNvPicPr>
+            <a:picLocks noChangeAspect="1"/>
+          </p:cNvPicPr>
+          <p:nvPr/>
+        </p:nvPicPr>
+        <p:blipFill>
+          <a:blip r:embed="rId2">
+            <a:extLst>
+              <a:ext uri="{28A0092B-C50C-407E-A947-70E740481C1C}">
+                <a14:useLocalDpi xmlns:a14="http://schemas.microsoft.com/office/drawing/2010/main" val="0"/>
+              </a:ext>
+            </a:extLst>
+          </a:blip>
+          <a:stretch>
+            <a:fillRect/>
+          </a:stretch>
+        </p:blipFill>
         <p:spPr>
           <a:xfrm>
-            <a:off x="2185988" y="1770814"/>
-            <a:ext cx="7258050" cy="768350"/>
-          </a:xfrm>
-        </p:spPr>
-        <p:txBody>
-          <a:bodyPr/>
-          <a:lstStyle/>
-          <a:p>
-            <a:pPr algn="ctr"/>
-            <a:r>
-              <a:rPr lang="en-US" altLang="zh-TW" b="1" dirty="0">
-                <a:solidFill>
-                  <a:schemeClr val="bg1"/>
-                </a:solidFill>
-                <a:effectLst/>
-                <a:latin typeface="微軟正黑體 Light" panose="020B0304030504040204" pitchFamily="34" charset="-120"/>
-                <a:ea typeface="微軟正黑體 Light" panose="020B0304030504040204" pitchFamily="34" charset="-120"/>
-              </a:rPr>
-              <a:t>Computed </a:t>
-            </a:r>
-            <a:r>
-              <a:rPr lang="zh-TW" altLang="en-US" b="1" dirty="0">
-                <a:solidFill>
-                  <a:schemeClr val="bg1"/>
-                </a:solidFill>
-                <a:effectLst/>
-                <a:latin typeface="微軟正黑體 Light" panose="020B0304030504040204" pitchFamily="34" charset="-120"/>
-                <a:ea typeface="微軟正黑體 Light" panose="020B0304030504040204" pitchFamily="34" charset="-120"/>
-              </a:rPr>
-              <a:t>跟 </a:t>
-            </a:r>
-            <a:r>
-              <a:rPr lang="en-US" altLang="zh-TW" b="1" i="0" dirty="0">
-                <a:solidFill>
-                  <a:schemeClr val="bg1"/>
-                </a:solidFill>
-                <a:effectLst/>
-                <a:latin typeface="微軟正黑體 Light" panose="020B0304030504040204" pitchFamily="34" charset="-120"/>
-                <a:ea typeface="微軟正黑體 Light" panose="020B0304030504040204" pitchFamily="34" charset="-120"/>
-              </a:rPr>
-              <a:t>Methods</a:t>
-            </a:r>
-            <a:endParaRPr lang="zh-TW" altLang="en-US" b="1" dirty="0">
-              <a:solidFill>
-                <a:schemeClr val="bg1"/>
-              </a:solidFill>
-              <a:latin typeface="微軟正黑體 Light" panose="020B0304030504040204" pitchFamily="34" charset="-120"/>
-              <a:ea typeface="微軟正黑體 Light" panose="020B0304030504040204" pitchFamily="34" charset="-120"/>
-            </a:endParaRPr>
-          </a:p>
-        </p:txBody>
-      </p:sp>
-      <p:sp>
-        <p:nvSpPr>
-          <p:cNvPr id="5" name="文字方塊 4">
-            <a:extLst>
-              <a:ext uri="{FF2B5EF4-FFF2-40B4-BE49-F238E27FC236}">
-                <a16:creationId xmlns:a16="http://schemas.microsoft.com/office/drawing/2014/main" id="{05BAE6D8-D500-47F3-A3E3-E33F39830E8F}"/>
-              </a:ext>
-            </a:extLst>
-          </p:cNvPr>
-          <p:cNvSpPr txBox="1"/>
-          <p:nvPr/>
-        </p:nvSpPr>
-        <p:spPr>
-          <a:xfrm>
-            <a:off x="2690812" y="2928938"/>
-            <a:ext cx="6753226" cy="878638"/>
+            <a:off x="2533534" y="1371600"/>
+            <a:ext cx="7124931" cy="4267200"/>
           </a:xfrm>
           <a:prstGeom prst="rect">
             <a:avLst/>
           </a:prstGeom>
-          <a:noFill/>
         </p:spPr>
-        <p:txBody>
-          <a:bodyPr wrap="square">
-            <a:spAutoFit/>
-          </a:bodyPr>
-          <a:lstStyle/>
-          <a:p>
-            <a:pPr>
-              <a:lnSpc>
-                <a:spcPct val="150000"/>
-              </a:lnSpc>
-            </a:pPr>
-            <a:r>
-              <a:rPr lang="en-US" altLang="zh-TW" b="1" dirty="0">
-                <a:solidFill>
-                  <a:schemeClr val="bg1"/>
-                </a:solidFill>
-                <a:effectLst/>
-                <a:latin typeface="微軟正黑體 Light" panose="020B0304030504040204" pitchFamily="34" charset="-120"/>
-                <a:ea typeface="微軟正黑體 Light" panose="020B0304030504040204" pitchFamily="34" charset="-120"/>
-              </a:rPr>
-              <a:t>computed</a:t>
-            </a:r>
-            <a:r>
-              <a:rPr lang="zh-TW" altLang="en-US" b="1" dirty="0">
-                <a:solidFill>
-                  <a:schemeClr val="bg1"/>
-                </a:solidFill>
-                <a:effectLst/>
-                <a:latin typeface="微軟正黑體 Light" panose="020B0304030504040204" pitchFamily="34" charset="-120"/>
-                <a:ea typeface="微軟正黑體 Light" panose="020B0304030504040204" pitchFamily="34" charset="-120"/>
-              </a:rPr>
-              <a:t> 會依據計算的資料進行緩存，只要你的資料沒有重新被更改，你的 </a:t>
-            </a:r>
-            <a:r>
-              <a:rPr lang="en-US" altLang="zh-TW" b="1" dirty="0">
-                <a:solidFill>
-                  <a:schemeClr val="bg1"/>
-                </a:solidFill>
-                <a:effectLst/>
-                <a:latin typeface="微軟正黑體 Light" panose="020B0304030504040204" pitchFamily="34" charset="-120"/>
-                <a:ea typeface="微軟正黑體 Light" panose="020B0304030504040204" pitchFamily="34" charset="-120"/>
-              </a:rPr>
-              <a:t>computed </a:t>
-            </a:r>
-            <a:r>
-              <a:rPr lang="zh-TW" altLang="en-US" b="1" dirty="0">
-                <a:solidFill>
-                  <a:schemeClr val="bg1"/>
-                </a:solidFill>
-                <a:effectLst/>
-                <a:latin typeface="微軟正黑體 Light" panose="020B0304030504040204" pitchFamily="34" charset="-120"/>
-                <a:ea typeface="微軟正黑體 Light" panose="020B0304030504040204" pitchFamily="34" charset="-120"/>
-              </a:rPr>
-              <a:t>不會被重新</a:t>
-            </a:r>
-            <a:r>
-              <a:rPr lang="zh-TW" altLang="en-US" b="1" dirty="0">
-                <a:solidFill>
-                  <a:schemeClr val="bg1"/>
-                </a:solidFill>
-                <a:latin typeface="微軟正黑體 Light" panose="020B0304030504040204" pitchFamily="34" charset="-120"/>
-                <a:ea typeface="微軟正黑體 Light" panose="020B0304030504040204" pitchFamily="34" charset="-120"/>
-              </a:rPr>
-              <a:t>計算</a:t>
-            </a:r>
-            <a:r>
-              <a:rPr lang="zh-TW" altLang="en-US" b="1" dirty="0">
-                <a:solidFill>
-                  <a:schemeClr val="bg1"/>
-                </a:solidFill>
-                <a:effectLst/>
-                <a:latin typeface="微軟正黑體 Light" panose="020B0304030504040204" pitchFamily="34" charset="-120"/>
-                <a:ea typeface="微軟正黑體 Light" panose="020B0304030504040204" pitchFamily="34" charset="-120"/>
-              </a:rPr>
-              <a:t>執行</a:t>
-            </a:r>
-            <a:endParaRPr lang="zh-TW" altLang="en-US" dirty="0"/>
-          </a:p>
-        </p:txBody>
-      </p:sp>
-      <p:sp>
-        <p:nvSpPr>
-          <p:cNvPr id="7" name="文字方塊 6">
-            <a:extLst>
-              <a:ext uri="{FF2B5EF4-FFF2-40B4-BE49-F238E27FC236}">
-                <a16:creationId xmlns:a16="http://schemas.microsoft.com/office/drawing/2014/main" id="{43B8E83F-2230-4EF1-BFE0-47B68370D1E6}"/>
-              </a:ext>
-            </a:extLst>
-          </p:cNvPr>
-          <p:cNvSpPr txBox="1"/>
-          <p:nvPr/>
-        </p:nvSpPr>
-        <p:spPr>
-          <a:xfrm>
-            <a:off x="2690812" y="4393868"/>
-            <a:ext cx="6462713" cy="878638"/>
-          </a:xfrm>
-          <a:prstGeom prst="rect">
-            <a:avLst/>
-          </a:prstGeom>
-          <a:noFill/>
-        </p:spPr>
-        <p:txBody>
-          <a:bodyPr wrap="square">
-            <a:spAutoFit/>
-          </a:bodyPr>
-          <a:lstStyle/>
-          <a:p>
-            <a:pPr>
-              <a:lnSpc>
-                <a:spcPct val="150000"/>
-              </a:lnSpc>
-            </a:pPr>
-            <a:r>
-              <a:rPr lang="en-US" altLang="zh-TW" b="1" dirty="0">
-                <a:solidFill>
-                  <a:schemeClr val="bg1"/>
-                </a:solidFill>
-                <a:effectLst/>
-                <a:latin typeface="微軟正黑體 Light" panose="020B0304030504040204" pitchFamily="34" charset="-120"/>
-                <a:ea typeface="微軟正黑體 Light" panose="020B0304030504040204" pitchFamily="34" charset="-120"/>
-              </a:rPr>
-              <a:t>methods </a:t>
-            </a:r>
-            <a:r>
-              <a:rPr lang="zh-TW" altLang="en-US" b="1" dirty="0">
-                <a:solidFill>
-                  <a:schemeClr val="bg1"/>
-                </a:solidFill>
-                <a:latin typeface="微軟正黑體 Light" panose="020B0304030504040204" pitchFamily="34" charset="-120"/>
-                <a:ea typeface="微軟正黑體 Light" panose="020B0304030504040204" pitchFamily="34" charset="-120"/>
-              </a:rPr>
-              <a:t>不會進行緩存，每次都會重新執行 ，但是可以傳入參數進行處理</a:t>
-            </a:r>
-            <a:endParaRPr lang="zh-TW" altLang="en-US" dirty="0"/>
-          </a:p>
-        </p:txBody>
-      </p:sp>
+      </p:pic>
     </p:spTree>
     <p:extLst>
       <p:ext uri="{BB962C8B-B14F-4D97-AF65-F5344CB8AC3E}">
-        <p14:creationId xmlns:p14="http://schemas.microsoft.com/office/powerpoint/2010/main" val="1430038804"/>
+        <p14:creationId xmlns:p14="http://schemas.microsoft.com/office/powerpoint/2010/main" val="295151647"/>
       </p:ext>
     </p:extLst>
   </p:cSld>
@@ -5793,10 +5599,80 @@
       </p:grpSpPr>
       <p:sp>
         <p:nvSpPr>
+          <p:cNvPr id="2" name="標題 1">
+            <a:extLst>
+              <a:ext uri="{FF2B5EF4-FFF2-40B4-BE49-F238E27FC236}">
+                <a16:creationId xmlns:a16="http://schemas.microsoft.com/office/drawing/2014/main" id="{3592D7BC-04D6-4063-AAAE-BDB5AC195777}"/>
+              </a:ext>
+            </a:extLst>
+          </p:cNvPr>
+          <p:cNvSpPr>
+            <a:spLocks noGrp="1"/>
+          </p:cNvSpPr>
+          <p:nvPr>
+            <p:ph type="title"/>
+          </p:nvPr>
+        </p:nvSpPr>
+        <p:spPr>
+          <a:xfrm>
+            <a:off x="2185988" y="1770814"/>
+            <a:ext cx="7258050" cy="768350"/>
+          </a:xfrm>
+        </p:spPr>
+        <p:txBody>
+          <a:bodyPr/>
+          <a:lstStyle/>
+          <a:p>
+            <a:pPr algn="ctr"/>
+            <a:r>
+              <a:rPr lang="en-US" altLang="zh-TW" b="1" dirty="0">
+                <a:solidFill>
+                  <a:schemeClr val="bg1"/>
+                </a:solidFill>
+                <a:effectLst/>
+                <a:latin typeface="微軟正黑體 Light" panose="020B0304030504040204" pitchFamily="34" charset="-120"/>
+                <a:ea typeface="微軟正黑體 Light" panose="020B0304030504040204" pitchFamily="34" charset="-120"/>
+              </a:rPr>
+              <a:t>Computed </a:t>
+            </a:r>
+            <a:r>
+              <a:rPr lang="zh-TW" altLang="en-US" b="1" dirty="0">
+                <a:solidFill>
+                  <a:schemeClr val="bg1"/>
+                </a:solidFill>
+                <a:effectLst/>
+                <a:latin typeface="微軟正黑體 Light" panose="020B0304030504040204" pitchFamily="34" charset="-120"/>
+                <a:ea typeface="微軟正黑體 Light" panose="020B0304030504040204" pitchFamily="34" charset="-120"/>
+              </a:rPr>
+              <a:t>跟 </a:t>
+            </a:r>
+            <a:r>
+              <a:rPr lang="en-US" altLang="zh-TW" b="1" i="0" dirty="0">
+                <a:solidFill>
+                  <a:schemeClr val="bg1"/>
+                </a:solidFill>
+                <a:effectLst/>
+                <a:latin typeface="微軟正黑體 Light" panose="020B0304030504040204" pitchFamily="34" charset="-120"/>
+                <a:ea typeface="微軟正黑體 Light" panose="020B0304030504040204" pitchFamily="34" charset="-120"/>
+              </a:rPr>
+              <a:t>Methods</a:t>
+            </a:r>
+            <a:endParaRPr lang="zh-TW" altLang="en-US" b="1" dirty="0">
+              <a:solidFill>
+                <a:schemeClr val="bg1"/>
+              </a:solidFill>
+              <a:latin typeface="微軟正黑體 Light" panose="020B0304030504040204" pitchFamily="34" charset="-120"/>
+              <a:ea typeface="微軟正黑體 Light" panose="020B0304030504040204" pitchFamily="34" charset="-120"/>
+            </a:endParaRPr>
+          </a:p>
+        </p:txBody>
+      </p:sp>
+      <p:sp>
+        <p:nvSpPr>
           <p:cNvPr id="5" name="文字方塊 4">
             <a:extLst>
               <a:ext uri="{FF2B5EF4-FFF2-40B4-BE49-F238E27FC236}">
-                <a16:creationId xmlns:a16="http://schemas.microsoft.com/office/drawing/2014/main" id="{F87A0B05-A318-46CF-98C9-BBA537B704BA}"/>
+                <a16:creationId xmlns:a16="http://schemas.microsoft.com/office/drawing/2014/main" id="{05BAE6D8-D500-47F3-A3E3-E33F39830E8F}"/>
               </a:ext>
             </a:extLst>
           </p:cNvPr>
@@ -5805,8 +5681,8 @@
         </p:nvSpPr>
         <p:spPr>
           <a:xfrm>
-            <a:off x="521349" y="1123083"/>
-            <a:ext cx="6112744" cy="830997"/>
+            <a:off x="2690812" y="2928938"/>
+            <a:ext cx="6753226" cy="878638"/>
           </a:xfrm>
           <a:prstGeom prst="rect">
             <a:avLst/>
@@ -5819,137 +5695,96 @@
           </a:bodyPr>
           <a:lstStyle/>
           <a:p>
-            <a:r>
-              <a:rPr lang="en-US" altLang="zh-TW" sz="2400" b="1" dirty="0">
-                <a:solidFill>
-                  <a:schemeClr val="bg1"/>
-                </a:solidFill>
-                <a:latin typeface="微軟正黑體 Light" panose="020B0304030504040204" pitchFamily="34" charset="-120"/>
-                <a:ea typeface="微軟正黑體 Light" panose="020B0304030504040204" pitchFamily="34" charset="-120"/>
-              </a:rPr>
-              <a:t>v-for</a:t>
-            </a:r>
-            <a:r>
-              <a:rPr lang="zh-TW" altLang="en-US" sz="2400" b="1" dirty="0">
-                <a:solidFill>
-                  <a:schemeClr val="bg1"/>
-                </a:solidFill>
-                <a:latin typeface="微軟正黑體 Light" panose="020B0304030504040204" pitchFamily="34" charset="-120"/>
-                <a:ea typeface="微軟正黑體 Light" panose="020B0304030504040204" pitchFamily="34" charset="-120"/>
-              </a:rPr>
-              <a:t> 跟 </a:t>
-            </a:r>
-            <a:r>
-              <a:rPr lang="en-US" altLang="zh-TW" sz="2400" b="1" dirty="0">
-                <a:solidFill>
-                  <a:schemeClr val="bg1"/>
-                </a:solidFill>
-                <a:latin typeface="微軟正黑體 Light" panose="020B0304030504040204" pitchFamily="34" charset="-120"/>
-                <a:ea typeface="微軟正黑體 Light" panose="020B0304030504040204" pitchFamily="34" charset="-120"/>
-              </a:rPr>
-              <a:t>v-if</a:t>
-            </a:r>
-            <a:r>
-              <a:rPr lang="zh-TW" altLang="en-US" sz="2400" b="1" dirty="0">
-                <a:solidFill>
-                  <a:schemeClr val="bg1"/>
-                </a:solidFill>
-                <a:latin typeface="微軟正黑體 Light" panose="020B0304030504040204" pitchFamily="34" charset="-120"/>
-                <a:ea typeface="微軟正黑體 Light" panose="020B0304030504040204" pitchFamily="34" charset="-120"/>
-              </a:rPr>
-              <a:t> 官方不推薦一起使用</a:t>
-            </a:r>
-            <a:endParaRPr lang="en-US" altLang="zh-TW" sz="2400" b="1" dirty="0">
-              <a:solidFill>
-                <a:schemeClr val="bg1"/>
-              </a:solidFill>
-              <a:latin typeface="微軟正黑體 Light" panose="020B0304030504040204" pitchFamily="34" charset="-120"/>
-              <a:ea typeface="微軟正黑體 Light" panose="020B0304030504040204" pitchFamily="34" charset="-120"/>
-            </a:endParaRPr>
-          </a:p>
-          <a:p>
-            <a:r>
-              <a:rPr lang="zh-TW" altLang="en-US" sz="2400" b="1" dirty="0">
-                <a:solidFill>
-                  <a:schemeClr val="bg1"/>
-                </a:solidFill>
-                <a:latin typeface="微軟正黑體 Light" panose="020B0304030504040204" pitchFamily="34" charset="-120"/>
-                <a:ea typeface="微軟正黑體 Light" panose="020B0304030504040204" pitchFamily="34" charset="-120"/>
-              </a:rPr>
-              <a:t>下面是一個錯誤的例子</a:t>
-            </a:r>
-            <a:r>
-              <a:rPr lang="en-US" altLang="zh-TW" sz="2400" b="1" dirty="0">
-                <a:solidFill>
-                  <a:schemeClr val="bg1"/>
-                </a:solidFill>
-                <a:latin typeface="微軟正黑體 Light" panose="020B0304030504040204" pitchFamily="34" charset="-120"/>
-                <a:ea typeface="微軟正黑體 Light" panose="020B0304030504040204" pitchFamily="34" charset="-120"/>
-              </a:rPr>
-              <a:t>!!!</a:t>
-            </a:r>
-            <a:endParaRPr lang="zh-TW" altLang="en-US" sz="2400" b="1" dirty="0">
-              <a:solidFill>
-                <a:schemeClr val="bg1"/>
-              </a:solidFill>
-              <a:latin typeface="微軟正黑體 Light" panose="020B0304030504040204" pitchFamily="34" charset="-120"/>
-              <a:ea typeface="微軟正黑體 Light" panose="020B0304030504040204" pitchFamily="34" charset="-120"/>
-            </a:endParaRPr>
-          </a:p>
-        </p:txBody>
-      </p:sp>
-      <p:pic>
-        <p:nvPicPr>
-          <p:cNvPr id="7" name="圖片 6">
-            <a:extLst>
-              <a:ext uri="{FF2B5EF4-FFF2-40B4-BE49-F238E27FC236}">
-                <a16:creationId xmlns:a16="http://schemas.microsoft.com/office/drawing/2014/main" id="{79689B47-2D2E-46E7-AB4A-30E193332EA4}"/>
-              </a:ext>
-            </a:extLst>
-          </p:cNvPr>
-          <p:cNvPicPr>
-            <a:picLocks noChangeAspect="1"/>
-          </p:cNvPicPr>
+            <a:pPr>
+              <a:lnSpc>
+                <a:spcPct val="150000"/>
+              </a:lnSpc>
+            </a:pPr>
+            <a:r>
+              <a:rPr lang="en-US" altLang="zh-TW" b="1" dirty="0">
+                <a:solidFill>
+                  <a:schemeClr val="bg1"/>
+                </a:solidFill>
+                <a:effectLst/>
+                <a:latin typeface="微軟正黑體 Light" panose="020B0304030504040204" pitchFamily="34" charset="-120"/>
+                <a:ea typeface="微軟正黑體 Light" panose="020B0304030504040204" pitchFamily="34" charset="-120"/>
+              </a:rPr>
+              <a:t>computed</a:t>
+            </a:r>
+            <a:r>
+              <a:rPr lang="zh-TW" altLang="en-US" b="1" dirty="0">
+                <a:solidFill>
+                  <a:schemeClr val="bg1"/>
+                </a:solidFill>
+                <a:effectLst/>
+                <a:latin typeface="微軟正黑體 Light" panose="020B0304030504040204" pitchFamily="34" charset="-120"/>
+                <a:ea typeface="微軟正黑體 Light" panose="020B0304030504040204" pitchFamily="34" charset="-120"/>
+              </a:rPr>
+              <a:t> 會依據計算的資料進行緩存，只要你的資料沒有重新被更改，你的 </a:t>
+            </a:r>
+            <a:r>
+              <a:rPr lang="en-US" altLang="zh-TW" b="1" dirty="0">
+                <a:solidFill>
+                  <a:schemeClr val="bg1"/>
+                </a:solidFill>
+                <a:effectLst/>
+                <a:latin typeface="微軟正黑體 Light" panose="020B0304030504040204" pitchFamily="34" charset="-120"/>
+                <a:ea typeface="微軟正黑體 Light" panose="020B0304030504040204" pitchFamily="34" charset="-120"/>
+              </a:rPr>
+              <a:t>computed </a:t>
+            </a:r>
+            <a:r>
+              <a:rPr lang="zh-TW" altLang="en-US" b="1" dirty="0">
+                <a:solidFill>
+                  <a:schemeClr val="bg1"/>
+                </a:solidFill>
+                <a:effectLst/>
+                <a:latin typeface="微軟正黑體 Light" panose="020B0304030504040204" pitchFamily="34" charset="-120"/>
+                <a:ea typeface="微軟正黑體 Light" panose="020B0304030504040204" pitchFamily="34" charset="-120"/>
+              </a:rPr>
+              <a:t>不會被重新</a:t>
+            </a:r>
+            <a:r>
+              <a:rPr lang="zh-TW" altLang="en-US" b="1" dirty="0">
+                <a:solidFill>
+                  <a:schemeClr val="bg1"/>
+                </a:solidFill>
+                <a:latin typeface="微軟正黑體 Light" panose="020B0304030504040204" pitchFamily="34" charset="-120"/>
+                <a:ea typeface="微軟正黑體 Light" panose="020B0304030504040204" pitchFamily="34" charset="-120"/>
+              </a:rPr>
+              <a:t>計算</a:t>
+            </a:r>
+            <a:r>
+              <a:rPr lang="zh-TW" altLang="en-US" b="1" dirty="0">
+                <a:solidFill>
+                  <a:schemeClr val="bg1"/>
+                </a:solidFill>
+                <a:effectLst/>
+                <a:latin typeface="微軟正黑體 Light" panose="020B0304030504040204" pitchFamily="34" charset="-120"/>
+                <a:ea typeface="微軟正黑體 Light" panose="020B0304030504040204" pitchFamily="34" charset="-120"/>
+              </a:rPr>
+              <a:t>執行</a:t>
+            </a:r>
+            <a:endParaRPr lang="zh-TW" altLang="en-US" dirty="0"/>
+          </a:p>
+        </p:txBody>
+      </p:sp>
+      <p:sp>
+        <p:nvSpPr>
+          <p:cNvPr id="7" name="文字方塊 6">
+            <a:extLst>
+              <a:ext uri="{FF2B5EF4-FFF2-40B4-BE49-F238E27FC236}">
+                <a16:creationId xmlns:a16="http://schemas.microsoft.com/office/drawing/2014/main" id="{43B8E83F-2230-4EF1-BFE0-47B68370D1E6}"/>
+              </a:ext>
+            </a:extLst>
+          </p:cNvPr>
+          <p:cNvSpPr txBox="1"/>
           <p:nvPr/>
-        </p:nvPicPr>
-        <p:blipFill>
-          <a:blip r:embed="rId2">
-            <a:extLst>
-              <a:ext uri="{28A0092B-C50C-407E-A947-70E740481C1C}">
-                <a14:useLocalDpi xmlns:a14="http://schemas.microsoft.com/office/drawing/2010/main" val="0"/>
-              </a:ext>
-            </a:extLst>
-          </a:blip>
-          <a:stretch>
-            <a:fillRect/>
-          </a:stretch>
-        </p:blipFill>
+        </p:nvSpPr>
         <p:spPr>
           <a:xfrm>
-            <a:off x="813449" y="2260520"/>
-            <a:ext cx="3463706" cy="3353747"/>
-          </a:xfrm>
-          <a:prstGeom prst="rect">
-            <a:avLst/>
-          </a:prstGeom>
-        </p:spPr>
-      </p:pic>
-      <p:sp>
-        <p:nvSpPr>
-          <p:cNvPr id="9" name="文字方塊 8">
-            <a:extLst>
-              <a:ext uri="{FF2B5EF4-FFF2-40B4-BE49-F238E27FC236}">
-                <a16:creationId xmlns:a16="http://schemas.microsoft.com/office/drawing/2014/main" id="{7BE36EAC-980C-4C2E-8650-811134A02401}"/>
-              </a:ext>
-            </a:extLst>
-          </p:cNvPr>
-          <p:cNvSpPr txBox="1"/>
-          <p:nvPr/>
-        </p:nvSpPr>
-        <p:spPr>
-          <a:xfrm>
-            <a:off x="4959999" y="2550344"/>
-            <a:ext cx="5365101" cy="830997"/>
+            <a:off x="2690812" y="4393868"/>
+            <a:ext cx="6462713" cy="878638"/>
           </a:xfrm>
           <a:prstGeom prst="rect">
             <a:avLst/>
@@ -5962,60 +5797,40 @@
           </a:bodyPr>
           <a:lstStyle/>
           <a:p>
-            <a:r>
-              <a:rPr lang="zh-TW" altLang="en-US" sz="2400" b="1" dirty="0">
-                <a:solidFill>
-                  <a:schemeClr val="bg1"/>
-                </a:solidFill>
-                <a:latin typeface="微軟正黑體 Light" panose="020B0304030504040204" pitchFamily="34" charset="-120"/>
-                <a:ea typeface="微軟正黑體 Light" panose="020B0304030504040204" pitchFamily="34" charset="-120"/>
-              </a:rPr>
-              <a:t>正確的做法應該要先透過</a:t>
-            </a:r>
-            <a:r>
-              <a:rPr lang="en-US" altLang="zh-TW" sz="2400" b="1" dirty="0">
-                <a:solidFill>
-                  <a:schemeClr val="bg1"/>
-                </a:solidFill>
-                <a:latin typeface="微軟正黑體 Light" panose="020B0304030504040204" pitchFamily="34" charset="-120"/>
-                <a:ea typeface="微軟正黑體 Light" panose="020B0304030504040204" pitchFamily="34" charset="-120"/>
-              </a:rPr>
-              <a:t>computed</a:t>
-            </a:r>
-            <a:r>
-              <a:rPr lang="zh-TW" altLang="en-US" sz="2400" b="1" dirty="0">
-                <a:solidFill>
-                  <a:schemeClr val="bg1"/>
-                </a:solidFill>
-                <a:latin typeface="微軟正黑體 Light" panose="020B0304030504040204" pitchFamily="34" charset="-120"/>
-                <a:ea typeface="微軟正黑體 Light" panose="020B0304030504040204" pitchFamily="34" charset="-120"/>
-              </a:rPr>
-              <a:t>把資料篩選出來後再進行 </a:t>
-            </a:r>
-            <a:r>
-              <a:rPr lang="en-US" altLang="zh-TW" sz="2400" b="1" dirty="0">
-                <a:solidFill>
-                  <a:schemeClr val="bg1"/>
-                </a:solidFill>
-                <a:latin typeface="微軟正黑體 Light" panose="020B0304030504040204" pitchFamily="34" charset="-120"/>
-                <a:ea typeface="微軟正黑體 Light" panose="020B0304030504040204" pitchFamily="34" charset="-120"/>
-              </a:rPr>
-              <a:t>v-for</a:t>
-            </a:r>
-            <a:endParaRPr lang="zh-TW" altLang="en-US" sz="2400" b="1" dirty="0">
-              <a:solidFill>
-                <a:schemeClr val="bg1"/>
-              </a:solidFill>
-              <a:latin typeface="微軟正黑體 Light" panose="020B0304030504040204" pitchFamily="34" charset="-120"/>
-              <a:ea typeface="微軟正黑體 Light" panose="020B0304030504040204" pitchFamily="34" charset="-120"/>
-            </a:endParaRPr>
+            <a:pPr>
+              <a:lnSpc>
+                <a:spcPct val="150000"/>
+              </a:lnSpc>
+            </a:pPr>
+            <a:r>
+              <a:rPr lang="en-US" altLang="zh-TW" b="1" dirty="0">
+                <a:solidFill>
+                  <a:schemeClr val="bg1"/>
+                </a:solidFill>
+                <a:effectLst/>
+                <a:latin typeface="微軟正黑體 Light" panose="020B0304030504040204" pitchFamily="34" charset="-120"/>
+                <a:ea typeface="微軟正黑體 Light" panose="020B0304030504040204" pitchFamily="34" charset="-120"/>
+              </a:rPr>
+              <a:t>methods </a:t>
+            </a:r>
+            <a:r>
+              <a:rPr lang="zh-TW" altLang="en-US" b="1" dirty="0">
+                <a:solidFill>
+                  <a:schemeClr val="bg1"/>
+                </a:solidFill>
+                <a:latin typeface="微軟正黑體 Light" panose="020B0304030504040204" pitchFamily="34" charset="-120"/>
+                <a:ea typeface="微軟正黑體 Light" panose="020B0304030504040204" pitchFamily="34" charset="-120"/>
+              </a:rPr>
+              <a:t>不會進行緩存，每次都會重新執行 ，但是可以傳入參數進行處理</a:t>
+            </a:r>
+            <a:endParaRPr lang="zh-TW" altLang="en-US" dirty="0"/>
           </a:p>
         </p:txBody>
       </p:sp>
     </p:spTree>
     <p:extLst>
       <p:ext uri="{BB962C8B-B14F-4D97-AF65-F5344CB8AC3E}">
-        <p14:creationId xmlns:p14="http://schemas.microsoft.com/office/powerpoint/2010/main" val="2745596092"/>
+        <p14:creationId xmlns:p14="http://schemas.microsoft.com/office/powerpoint/2010/main" val="1430038804"/>
       </p:ext>
     </p:extLst>
   </p:cSld>
@@ -6042,12 +5857,119 @@
           <a:chExt cx="0" cy="0"/>
         </a:xfrm>
       </p:grpSpPr>
+      <p:sp>
+        <p:nvSpPr>
+          <p:cNvPr id="5" name="文字方塊 4">
+            <a:extLst>
+              <a:ext uri="{FF2B5EF4-FFF2-40B4-BE49-F238E27FC236}">
+                <a16:creationId xmlns:a16="http://schemas.microsoft.com/office/drawing/2014/main" id="{F87A0B05-A318-46CF-98C9-BBA537B704BA}"/>
+              </a:ext>
+            </a:extLst>
+          </p:cNvPr>
+          <p:cNvSpPr txBox="1"/>
+          <p:nvPr/>
+        </p:nvSpPr>
+        <p:spPr>
+          <a:xfrm>
+            <a:off x="521349" y="1123083"/>
+            <a:ext cx="6112744" cy="830997"/>
+          </a:xfrm>
+          <a:prstGeom prst="rect">
+            <a:avLst/>
+          </a:prstGeom>
+          <a:noFill/>
+        </p:spPr>
+        <p:txBody>
+          <a:bodyPr wrap="square">
+            <a:spAutoFit/>
+          </a:bodyPr>
+          <a:lstStyle/>
+          <a:p>
+            <a:r>
+              <a:rPr lang="en-US" altLang="zh-TW" sz="2400" b="1" dirty="0">
+                <a:solidFill>
+                  <a:schemeClr val="bg1"/>
+                </a:solidFill>
+                <a:latin typeface="微軟正黑體 Light" panose="020B0304030504040204" pitchFamily="34" charset="-120"/>
+                <a:ea typeface="微軟正黑體 Light" panose="020B0304030504040204" pitchFamily="34" charset="-120"/>
+              </a:rPr>
+              <a:t>v-for</a:t>
+            </a:r>
+            <a:r>
+              <a:rPr lang="zh-TW" altLang="en-US" sz="2400" b="1" dirty="0">
+                <a:solidFill>
+                  <a:schemeClr val="bg1"/>
+                </a:solidFill>
+                <a:latin typeface="微軟正黑體 Light" panose="020B0304030504040204" pitchFamily="34" charset="-120"/>
+                <a:ea typeface="微軟正黑體 Light" panose="020B0304030504040204" pitchFamily="34" charset="-120"/>
+              </a:rPr>
+              <a:t> 跟 </a:t>
+            </a:r>
+            <a:r>
+              <a:rPr lang="en-US" altLang="zh-TW" sz="2400" b="1" dirty="0">
+                <a:solidFill>
+                  <a:schemeClr val="bg1"/>
+                </a:solidFill>
+                <a:latin typeface="微軟正黑體 Light" panose="020B0304030504040204" pitchFamily="34" charset="-120"/>
+                <a:ea typeface="微軟正黑體 Light" panose="020B0304030504040204" pitchFamily="34" charset="-120"/>
+              </a:rPr>
+              <a:t>v-if</a:t>
+            </a:r>
+            <a:r>
+              <a:rPr lang="zh-TW" altLang="en-US" sz="2400" b="1" dirty="0">
+                <a:solidFill>
+                  <a:schemeClr val="bg1"/>
+                </a:solidFill>
+                <a:latin typeface="微軟正黑體 Light" panose="020B0304030504040204" pitchFamily="34" charset="-120"/>
+                <a:ea typeface="微軟正黑體 Light" panose="020B0304030504040204" pitchFamily="34" charset="-120"/>
+              </a:rPr>
+              <a:t> 官方不推薦一起使用</a:t>
+            </a:r>
+            <a:endParaRPr lang="en-US" altLang="zh-TW" sz="2400" b="1" dirty="0">
+              <a:solidFill>
+                <a:schemeClr val="bg1"/>
+              </a:solidFill>
+              <a:latin typeface="微軟正黑體 Light" panose="020B0304030504040204" pitchFamily="34" charset="-120"/>
+              <a:ea typeface="微軟正黑體 Light" panose="020B0304030504040204" pitchFamily="34" charset="-120"/>
+            </a:endParaRPr>
+          </a:p>
+          <a:p>
+            <a:r>
+              <a:rPr lang="zh-TW" altLang="en-US" sz="2400" b="1" dirty="0">
+                <a:solidFill>
+                  <a:schemeClr val="bg1"/>
+                </a:solidFill>
+                <a:latin typeface="微軟正黑體 Light" panose="020B0304030504040204" pitchFamily="34" charset="-120"/>
+                <a:ea typeface="微軟正黑體 Light" panose="020B0304030504040204" pitchFamily="34" charset="-120"/>
+              </a:rPr>
+              <a:t>下面是一個錯誤的例子</a:t>
+            </a:r>
+            <a:r>
+              <a:rPr lang="en-US" altLang="zh-TW" sz="2400" b="1" dirty="0">
+                <a:solidFill>
+                  <a:schemeClr val="bg1"/>
+                </a:solidFill>
+                <a:latin typeface="微軟正黑體 Light" panose="020B0304030504040204" pitchFamily="34" charset="-120"/>
+                <a:ea typeface="微軟正黑體 Light" panose="020B0304030504040204" pitchFamily="34" charset="-120"/>
+              </a:rPr>
+              <a:t>!!!</a:t>
+            </a:r>
+            <a:endParaRPr lang="zh-TW" altLang="en-US" sz="2400" b="1" dirty="0">
+              <a:solidFill>
+                <a:schemeClr val="bg1"/>
+              </a:solidFill>
+              <a:latin typeface="微軟正黑體 Light" panose="020B0304030504040204" pitchFamily="34" charset="-120"/>
+              <a:ea typeface="微軟正黑體 Light" panose="020B0304030504040204" pitchFamily="34" charset="-120"/>
+            </a:endParaRPr>
+          </a:p>
+        </p:txBody>
+      </p:sp>
       <p:pic>
         <p:nvPicPr>
           <p:cNvPr id="7" name="圖片 6">
             <a:extLst>
               <a:ext uri="{FF2B5EF4-FFF2-40B4-BE49-F238E27FC236}">
-                <a16:creationId xmlns:a16="http://schemas.microsoft.com/office/drawing/2014/main" id="{CE78DA95-712C-4356-9A27-EDF9AB5F9568}"/>
+                <a16:creationId xmlns:a16="http://schemas.microsoft.com/office/drawing/2014/main" id="{79689B47-2D2E-46E7-AB4A-30E193332EA4}"/>
               </a:ext>
             </a:extLst>
           </p:cNvPr>
@@ -6070,18 +5992,96 @@
         </p:blipFill>
         <p:spPr>
           <a:xfrm>
-            <a:off x="2533534" y="1371600"/>
-            <a:ext cx="7124931" cy="4267200"/>
+            <a:off x="813449" y="2260520"/>
+            <a:ext cx="3463706" cy="3353747"/>
           </a:xfrm>
           <a:prstGeom prst="rect">
             <a:avLst/>
           </a:prstGeom>
         </p:spPr>
       </p:pic>
+      <p:sp>
+        <p:nvSpPr>
+          <p:cNvPr id="9" name="文字方塊 8">
+            <a:extLst>
+              <a:ext uri="{FF2B5EF4-FFF2-40B4-BE49-F238E27FC236}">
+                <a16:creationId xmlns:a16="http://schemas.microsoft.com/office/drawing/2014/main" id="{7BE36EAC-980C-4C2E-8650-811134A02401}"/>
+              </a:ext>
+            </a:extLst>
+          </p:cNvPr>
+          <p:cNvSpPr txBox="1"/>
+          <p:nvPr/>
+        </p:nvSpPr>
+        <p:spPr>
+          <a:xfrm>
+            <a:off x="4959999" y="2550344"/>
+            <a:ext cx="5365101" cy="830997"/>
+          </a:xfrm>
+          <a:prstGeom prst="rect">
+            <a:avLst/>
+          </a:prstGeom>
+          <a:noFill/>
+        </p:spPr>
+        <p:txBody>
+          <a:bodyPr wrap="square">
+            <a:spAutoFit/>
+          </a:bodyPr>
+          <a:lstStyle/>
+          <a:p>
+            <a:r>
+              <a:rPr lang="zh-TW" altLang="en-US" sz="2400" b="1" dirty="0">
+                <a:solidFill>
+                  <a:schemeClr val="bg1"/>
+                </a:solidFill>
+                <a:latin typeface="微軟正黑體 Light" panose="020B0304030504040204" pitchFamily="34" charset="-120"/>
+                <a:ea typeface="微軟正黑體 Light" panose="020B0304030504040204" pitchFamily="34" charset="-120"/>
+              </a:rPr>
+              <a:t>正確的做法應該要先透過</a:t>
+            </a:r>
+            <a:r>
+              <a:rPr lang="en-US" altLang="zh-TW" sz="2400" b="1" dirty="0">
+                <a:solidFill>
+                  <a:schemeClr val="bg1"/>
+                </a:solidFill>
+                <a:latin typeface="微軟正黑體 Light" panose="020B0304030504040204" pitchFamily="34" charset="-120"/>
+                <a:ea typeface="微軟正黑體 Light" panose="020B0304030504040204" pitchFamily="34" charset="-120"/>
+              </a:rPr>
+              <a:t>computed</a:t>
+            </a:r>
+            <a:r>
+              <a:rPr lang="zh-TW" altLang="en-US" sz="2400" b="1" dirty="0">
+                <a:solidFill>
+                  <a:schemeClr val="bg1"/>
+                </a:solidFill>
+                <a:latin typeface="微軟正黑體 Light" panose="020B0304030504040204" pitchFamily="34" charset="-120"/>
+                <a:ea typeface="微軟正黑體 Light" panose="020B0304030504040204" pitchFamily="34" charset="-120"/>
+              </a:rPr>
+              <a:t>把資料篩選出來後再進行 </a:t>
+            </a:r>
+            <a:r>
+              <a:rPr lang="en-US" altLang="zh-TW" sz="2400" b="1" dirty="0">
+                <a:solidFill>
+                  <a:schemeClr val="bg1"/>
+                </a:solidFill>
+                <a:latin typeface="微軟正黑體 Light" panose="020B0304030504040204" pitchFamily="34" charset="-120"/>
+                <a:ea typeface="微軟正黑體 Light" panose="020B0304030504040204" pitchFamily="34" charset="-120"/>
+              </a:rPr>
+              <a:t>v-for</a:t>
+            </a:r>
+            <a:endParaRPr lang="zh-TW" altLang="en-US" sz="2400" b="1" dirty="0">
+              <a:solidFill>
+                <a:schemeClr val="bg1"/>
+              </a:solidFill>
+              <a:latin typeface="微軟正黑體 Light" panose="020B0304030504040204" pitchFamily="34" charset="-120"/>
+              <a:ea typeface="微軟正黑體 Light" panose="020B0304030504040204" pitchFamily="34" charset="-120"/>
+            </a:endParaRPr>
+          </a:p>
+        </p:txBody>
+      </p:sp>
     </p:spTree>
     <p:extLst>
       <p:ext uri="{BB962C8B-B14F-4D97-AF65-F5344CB8AC3E}">
-        <p14:creationId xmlns:p14="http://schemas.microsoft.com/office/powerpoint/2010/main" val="295151647"/>
+        <p14:creationId xmlns:p14="http://schemas.microsoft.com/office/powerpoint/2010/main" val="2745596092"/>
       </p:ext>
     </p:extLst>
   </p:cSld>

--- a/VUE-BASE/vue-base.pptx
+++ b/VUE-BASE/vue-base.pptx
@@ -16,6 +16,7 @@
     <p:sldId id="263" r:id="rId10"/>
     <p:sldId id="265" r:id="rId11"/>
     <p:sldId id="267" r:id="rId12"/>
+    <p:sldId id="268" r:id="rId13"/>
   </p:sldIdLst>
   <p:sldSz cx="12192000" cy="6858000"/>
   <p:notesSz cx="6858000" cy="9144000"/>
@@ -269,7 +270,7 @@
           <a:p>
             <a:fld id="{55B5673A-2C76-400E-AECF-A7C5CD58B306}" type="datetimeFigureOut">
               <a:rPr lang="zh-TW" altLang="en-US" smtClean="0"/>
-              <a:t>2020/9/29</a:t>
+              <a:t>2020/10/12</a:t>
             </a:fld>
             <a:endParaRPr lang="zh-TW" altLang="en-US"/>
           </a:p>
@@ -467,7 +468,7 @@
           <a:p>
             <a:fld id="{55B5673A-2C76-400E-AECF-A7C5CD58B306}" type="datetimeFigureOut">
               <a:rPr lang="zh-TW" altLang="en-US" smtClean="0"/>
-              <a:t>2020/9/29</a:t>
+              <a:t>2020/10/12</a:t>
             </a:fld>
             <a:endParaRPr lang="zh-TW" altLang="en-US"/>
           </a:p>
@@ -675,7 +676,7 @@
           <a:p>
             <a:fld id="{55B5673A-2C76-400E-AECF-A7C5CD58B306}" type="datetimeFigureOut">
               <a:rPr lang="zh-TW" altLang="en-US" smtClean="0"/>
-              <a:t>2020/9/29</a:t>
+              <a:t>2020/10/12</a:t>
             </a:fld>
             <a:endParaRPr lang="zh-TW" altLang="en-US"/>
           </a:p>
@@ -873,7 +874,7 @@
           <a:p>
             <a:fld id="{55B5673A-2C76-400E-AECF-A7C5CD58B306}" type="datetimeFigureOut">
               <a:rPr lang="zh-TW" altLang="en-US" smtClean="0"/>
-              <a:t>2020/9/29</a:t>
+              <a:t>2020/10/12</a:t>
             </a:fld>
             <a:endParaRPr lang="zh-TW" altLang="en-US"/>
           </a:p>
@@ -1148,7 +1149,7 @@
           <a:p>
             <a:fld id="{55B5673A-2C76-400E-AECF-A7C5CD58B306}" type="datetimeFigureOut">
               <a:rPr lang="zh-TW" altLang="en-US" smtClean="0"/>
-              <a:t>2020/9/29</a:t>
+              <a:t>2020/10/12</a:t>
             </a:fld>
             <a:endParaRPr lang="zh-TW" altLang="en-US"/>
           </a:p>
@@ -1413,7 +1414,7 @@
           <a:p>
             <a:fld id="{55B5673A-2C76-400E-AECF-A7C5CD58B306}" type="datetimeFigureOut">
               <a:rPr lang="zh-TW" altLang="en-US" smtClean="0"/>
-              <a:t>2020/9/29</a:t>
+              <a:t>2020/10/12</a:t>
             </a:fld>
             <a:endParaRPr lang="zh-TW" altLang="en-US"/>
           </a:p>
@@ -1825,7 +1826,7 @@
           <a:p>
             <a:fld id="{55B5673A-2C76-400E-AECF-A7C5CD58B306}" type="datetimeFigureOut">
               <a:rPr lang="zh-TW" altLang="en-US" smtClean="0"/>
-              <a:t>2020/9/29</a:t>
+              <a:t>2020/10/12</a:t>
             </a:fld>
             <a:endParaRPr lang="zh-TW" altLang="en-US"/>
           </a:p>
@@ -1966,7 +1967,7 @@
           <a:p>
             <a:fld id="{55B5673A-2C76-400E-AECF-A7C5CD58B306}" type="datetimeFigureOut">
               <a:rPr lang="zh-TW" altLang="en-US" smtClean="0"/>
-              <a:t>2020/9/29</a:t>
+              <a:t>2020/10/12</a:t>
             </a:fld>
             <a:endParaRPr lang="zh-TW" altLang="en-US"/>
           </a:p>
@@ -2079,7 +2080,7 @@
           <a:p>
             <a:fld id="{55B5673A-2C76-400E-AECF-A7C5CD58B306}" type="datetimeFigureOut">
               <a:rPr lang="zh-TW" altLang="en-US" smtClean="0"/>
-              <a:t>2020/9/29</a:t>
+              <a:t>2020/10/12</a:t>
             </a:fld>
             <a:endParaRPr lang="zh-TW" altLang="en-US"/>
           </a:p>
@@ -2390,7 +2391,7 @@
           <a:p>
             <a:fld id="{55B5673A-2C76-400E-AECF-A7C5CD58B306}" type="datetimeFigureOut">
               <a:rPr lang="zh-TW" altLang="en-US" smtClean="0"/>
-              <a:t>2020/9/29</a:t>
+              <a:t>2020/10/12</a:t>
             </a:fld>
             <a:endParaRPr lang="zh-TW" altLang="en-US"/>
           </a:p>
@@ -2678,7 +2679,7 @@
           <a:p>
             <a:fld id="{55B5673A-2C76-400E-AECF-A7C5CD58B306}" type="datetimeFigureOut">
               <a:rPr lang="zh-TW" altLang="en-US" smtClean="0"/>
-              <a:t>2020/9/29</a:t>
+              <a:t>2020/10/12</a:t>
             </a:fld>
             <a:endParaRPr lang="zh-TW" altLang="en-US"/>
           </a:p>
@@ -2922,7 +2923,7 @@
           <a:p>
             <a:fld id="{55B5673A-2C76-400E-AECF-A7C5CD58B306}" type="datetimeFigureOut">
               <a:rPr lang="zh-TW" altLang="en-US" smtClean="0"/>
-              <a:t>2020/9/29</a:t>
+              <a:t>2020/10/12</a:t>
             </a:fld>
             <a:endParaRPr lang="zh-TW" altLang="en-US"/>
           </a:p>
@@ -4283,6 +4284,188 @@
 </p:sld>
 </file>
 
+<file path=ppt/slides/slide12.xml><?xml version="1.0" encoding="utf-8"?>
+<p:sld xmlns:a="http://schemas.openxmlformats.org/drawingml/2006/main" xmlns:r="http://schemas.openxmlformats.org/officeDocument/2006/relationships" xmlns:p="http://schemas.openxmlformats.org/presentationml/2006/main">
+  <p:cSld>
+    <p:spTree>
+      <p:nvGrpSpPr>
+        <p:cNvPr id="1" name=""/>
+        <p:cNvGrpSpPr/>
+        <p:nvPr/>
+      </p:nvGrpSpPr>
+      <p:grpSpPr>
+        <a:xfrm>
+          <a:off x="0" y="0"/>
+          <a:ext cx="0" cy="0"/>
+          <a:chOff x="0" y="0"/>
+          <a:chExt cx="0" cy="0"/>
+        </a:xfrm>
+      </p:grpSpPr>
+      <p:sp>
+        <p:nvSpPr>
+          <p:cNvPr id="2" name="標題 1">
+            <a:extLst>
+              <a:ext uri="{FF2B5EF4-FFF2-40B4-BE49-F238E27FC236}">
+                <a16:creationId xmlns:a16="http://schemas.microsoft.com/office/drawing/2014/main" id="{7B03FB67-E384-4A92-8AA5-993C73C6A628}"/>
+              </a:ext>
+            </a:extLst>
+          </p:cNvPr>
+          <p:cNvSpPr>
+            <a:spLocks noGrp="1"/>
+          </p:cNvSpPr>
+          <p:nvPr>
+            <p:ph type="title"/>
+          </p:nvPr>
+        </p:nvSpPr>
+        <p:spPr>
+          <a:xfrm>
+            <a:off x="545942" y="632062"/>
+            <a:ext cx="2427514" cy="549275"/>
+          </a:xfrm>
+        </p:spPr>
+        <p:txBody>
+          <a:bodyPr>
+            <a:normAutofit/>
+          </a:bodyPr>
+          <a:lstStyle/>
+          <a:p>
+            <a:r>
+              <a:rPr lang="zh-TW" altLang="en-US" sz="2400" dirty="0">
+                <a:solidFill>
+                  <a:schemeClr val="bg1"/>
+                </a:solidFill>
+                <a:latin typeface="微軟正黑體" panose="020B0604030504040204" pitchFamily="34" charset="-120"/>
+                <a:ea typeface="微軟正黑體" panose="020B0604030504040204" pitchFamily="34" charset="-120"/>
+              </a:rPr>
+              <a:t>課程用</a:t>
+            </a:r>
+            <a:r>
+              <a:rPr lang="en-US" altLang="zh-TW" sz="2400" dirty="0">
+                <a:solidFill>
+                  <a:schemeClr val="bg1"/>
+                </a:solidFill>
+                <a:latin typeface="微軟正黑體" panose="020B0604030504040204" pitchFamily="34" charset="-120"/>
+                <a:ea typeface="微軟正黑體" panose="020B0604030504040204" pitchFamily="34" charset="-120"/>
+              </a:rPr>
+              <a:t>API</a:t>
+            </a:r>
+            <a:endParaRPr lang="zh-TW" altLang="en-US" sz="2400" dirty="0">
+              <a:solidFill>
+                <a:schemeClr val="bg1"/>
+              </a:solidFill>
+              <a:latin typeface="微軟正黑體" panose="020B0604030504040204" pitchFamily="34" charset="-120"/>
+              <a:ea typeface="微軟正黑體" panose="020B0604030504040204" pitchFamily="34" charset="-120"/>
+            </a:endParaRPr>
+          </a:p>
+        </p:txBody>
+      </p:sp>
+      <p:sp>
+        <p:nvSpPr>
+          <p:cNvPr id="3" name="內容版面配置區 2">
+            <a:extLst>
+              <a:ext uri="{FF2B5EF4-FFF2-40B4-BE49-F238E27FC236}">
+                <a16:creationId xmlns:a16="http://schemas.microsoft.com/office/drawing/2014/main" id="{6FB7EBD3-4176-4EA9-948B-21B59AB3C36F}"/>
+              </a:ext>
+            </a:extLst>
+          </p:cNvPr>
+          <p:cNvSpPr>
+            <a:spLocks noGrp="1"/>
+          </p:cNvSpPr>
+          <p:nvPr>
+            <p:ph idx="1"/>
+          </p:nvPr>
+        </p:nvSpPr>
+        <p:spPr>
+          <a:xfrm>
+            <a:off x="545941" y="1303111"/>
+            <a:ext cx="11100117" cy="957332"/>
+          </a:xfrm>
+        </p:spPr>
+        <p:txBody>
+          <a:bodyPr>
+            <a:normAutofit/>
+          </a:bodyPr>
+          <a:lstStyle/>
+          <a:p>
+            <a:r>
+              <a:rPr lang="en-US" altLang="zh-TW" b="0" dirty="0">
+                <a:solidFill>
+                  <a:schemeClr val="bg1"/>
+                </a:solidFill>
+                <a:effectLst/>
+                <a:latin typeface="微軟正黑體" panose="020B0604030504040204" pitchFamily="34" charset="-120"/>
+                <a:ea typeface="微軟正黑體" panose="020B0604030504040204" pitchFamily="34" charset="-120"/>
+              </a:rPr>
+              <a:t>https://vue-lessons-api.herokuapp.com/photo/list</a:t>
+            </a:r>
+            <a:r>
+              <a:rPr lang="zh-TW" altLang="en-US" b="1" dirty="0">
+                <a:solidFill>
+                  <a:schemeClr val="bg1"/>
+                </a:solidFill>
+                <a:effectLst/>
+                <a:latin typeface="微軟正黑體" panose="020B0604030504040204" pitchFamily="34" charset="-120"/>
+                <a:ea typeface="微軟正黑體" panose="020B0604030504040204" pitchFamily="34" charset="-120"/>
+              </a:rPr>
+              <a:t>  </a:t>
+            </a:r>
+            <a:r>
+              <a:rPr lang="en-US" altLang="zh-TW" b="1" dirty="0">
+                <a:solidFill>
+                  <a:schemeClr val="bg1"/>
+                </a:solidFill>
+                <a:effectLst/>
+                <a:latin typeface="微軟正黑體" panose="020B0604030504040204" pitchFamily="34" charset="-120"/>
+                <a:ea typeface="微軟正黑體" panose="020B0604030504040204" pitchFamily="34" charset="-120"/>
+              </a:rPr>
+              <a:t>(</a:t>
+            </a:r>
+            <a:r>
+              <a:rPr lang="zh-TW" altLang="en-US" b="1" dirty="0">
+                <a:solidFill>
+                  <a:schemeClr val="bg1"/>
+                </a:solidFill>
+                <a:effectLst/>
+                <a:latin typeface="微軟正黑體" panose="020B0604030504040204" pitchFamily="34" charset="-120"/>
+                <a:ea typeface="微軟正黑體" panose="020B0604030504040204" pitchFamily="34" charset="-120"/>
+              </a:rPr>
+              <a:t>圖片列表</a:t>
+            </a:r>
+            <a:r>
+              <a:rPr lang="en-US" altLang="zh-TW" b="1" dirty="0">
+                <a:solidFill>
+                  <a:schemeClr val="bg1"/>
+                </a:solidFill>
+                <a:effectLst/>
+                <a:latin typeface="微軟正黑體" panose="020B0604030504040204" pitchFamily="34" charset="-120"/>
+                <a:ea typeface="微軟正黑體" panose="020B0604030504040204" pitchFamily="34" charset="-120"/>
+              </a:rPr>
+              <a:t>)</a:t>
+            </a:r>
+            <a:endParaRPr lang="en-US" altLang="zh-TW" b="0" dirty="0">
+              <a:solidFill>
+                <a:schemeClr val="bg1"/>
+              </a:solidFill>
+              <a:effectLst/>
+              <a:latin typeface="微軟正黑體" panose="020B0604030504040204" pitchFamily="34" charset="-120"/>
+              <a:ea typeface="微軟正黑體" panose="020B0604030504040204" pitchFamily="34" charset="-120"/>
+            </a:endParaRPr>
+          </a:p>
+        </p:txBody>
+      </p:sp>
+    </p:spTree>
+    <p:extLst>
+      <p:ext uri="{BB962C8B-B14F-4D97-AF65-F5344CB8AC3E}">
+        <p14:creationId xmlns:p14="http://schemas.microsoft.com/office/powerpoint/2010/main" val="2325461017"/>
+      </p:ext>
+    </p:extLst>
+  </p:cSld>
+  <p:clrMapOvr>
+    <a:masterClrMapping/>
+  </p:clrMapOvr>
+</p:sld>
+</file>
+
 <file path=ppt/slides/slide2.xml><?xml version="1.0" encoding="utf-8"?>
 <p:sld xmlns:a="http://schemas.openxmlformats.org/drawingml/2006/main" xmlns:r="http://schemas.openxmlformats.org/officeDocument/2006/relationships" xmlns:p="http://schemas.openxmlformats.org/presentationml/2006/main">
   <p:cSld>

--- a/VUE-BASE/vue-base.pptx
+++ b/VUE-BASE/vue-base.pptx
@@ -123,6 +123,18 @@
 </p:presentation>
 </file>
 
+<file path=ppt/commentAuthors.xml><?xml version="1.0" encoding="utf-8"?>
+<p:cmAuthorLst xmlns:a="http://schemas.openxmlformats.org/drawingml/2006/main" xmlns:r="http://schemas.openxmlformats.org/officeDocument/2006/relationships" xmlns:p="http://schemas.openxmlformats.org/presentationml/2006/main">
+  <p:cmAuthor id="1" name="智遠 成" initials="智遠" lastIdx="1" clrIdx="0">
+    <p:extLst>
+      <p:ext uri="{19B8F6BF-5375-455C-9EA6-DF929625EA0E}">
+        <p15:presenceInfo xmlns:p15="http://schemas.microsoft.com/office/powerpoint/2012/main" userId="fd43e007af542ba5" providerId="Windows Live"/>
+      </p:ext>
+    </p:extLst>
+  </p:cmAuthor>
+</p:cmAuthorLst>
+</file>
+
 <file path=ppt/slideLayouts/slideLayout1.xml><?xml version="1.0" encoding="utf-8"?>
 <p:sldLayout xmlns:a="http://schemas.openxmlformats.org/drawingml/2006/main" xmlns:r="http://schemas.openxmlformats.org/officeDocument/2006/relationships" xmlns:p="http://schemas.openxmlformats.org/presentationml/2006/main" type="title" preserve="1">
   <p:cSld name="標題投影片">
@@ -270,7 +282,7 @@
           <a:p>
             <a:fld id="{55B5673A-2C76-400E-AECF-A7C5CD58B306}" type="datetimeFigureOut">
               <a:rPr lang="zh-TW" altLang="en-US" smtClean="0"/>
-              <a:t>2020/10/12</a:t>
+              <a:t>2020/10/14</a:t>
             </a:fld>
             <a:endParaRPr lang="zh-TW" altLang="en-US"/>
           </a:p>
@@ -468,7 +480,7 @@
           <a:p>
             <a:fld id="{55B5673A-2C76-400E-AECF-A7C5CD58B306}" type="datetimeFigureOut">
               <a:rPr lang="zh-TW" altLang="en-US" smtClean="0"/>
-              <a:t>2020/10/12</a:t>
+              <a:t>2020/10/14</a:t>
             </a:fld>
             <a:endParaRPr lang="zh-TW" altLang="en-US"/>
           </a:p>
@@ -676,7 +688,7 @@
           <a:p>
             <a:fld id="{55B5673A-2C76-400E-AECF-A7C5CD58B306}" type="datetimeFigureOut">
               <a:rPr lang="zh-TW" altLang="en-US" smtClean="0"/>
-              <a:t>2020/10/12</a:t>
+              <a:t>2020/10/14</a:t>
             </a:fld>
             <a:endParaRPr lang="zh-TW" altLang="en-US"/>
           </a:p>
@@ -874,7 +886,7 @@
           <a:p>
             <a:fld id="{55B5673A-2C76-400E-AECF-A7C5CD58B306}" type="datetimeFigureOut">
               <a:rPr lang="zh-TW" altLang="en-US" smtClean="0"/>
-              <a:t>2020/10/12</a:t>
+              <a:t>2020/10/14</a:t>
             </a:fld>
             <a:endParaRPr lang="zh-TW" altLang="en-US"/>
           </a:p>
@@ -1149,7 +1161,7 @@
           <a:p>
             <a:fld id="{55B5673A-2C76-400E-AECF-A7C5CD58B306}" type="datetimeFigureOut">
               <a:rPr lang="zh-TW" altLang="en-US" smtClean="0"/>
-              <a:t>2020/10/12</a:t>
+              <a:t>2020/10/14</a:t>
             </a:fld>
             <a:endParaRPr lang="zh-TW" altLang="en-US"/>
           </a:p>
@@ -1414,7 +1426,7 @@
           <a:p>
             <a:fld id="{55B5673A-2C76-400E-AECF-A7C5CD58B306}" type="datetimeFigureOut">
               <a:rPr lang="zh-TW" altLang="en-US" smtClean="0"/>
-              <a:t>2020/10/12</a:t>
+              <a:t>2020/10/14</a:t>
             </a:fld>
             <a:endParaRPr lang="zh-TW" altLang="en-US"/>
           </a:p>
@@ -1826,7 +1838,7 @@
           <a:p>
             <a:fld id="{55B5673A-2C76-400E-AECF-A7C5CD58B306}" type="datetimeFigureOut">
               <a:rPr lang="zh-TW" altLang="en-US" smtClean="0"/>
-              <a:t>2020/10/12</a:t>
+              <a:t>2020/10/14</a:t>
             </a:fld>
             <a:endParaRPr lang="zh-TW" altLang="en-US"/>
           </a:p>
@@ -1967,7 +1979,7 @@
           <a:p>
             <a:fld id="{55B5673A-2C76-400E-AECF-A7C5CD58B306}" type="datetimeFigureOut">
               <a:rPr lang="zh-TW" altLang="en-US" smtClean="0"/>
-              <a:t>2020/10/12</a:t>
+              <a:t>2020/10/14</a:t>
             </a:fld>
             <a:endParaRPr lang="zh-TW" altLang="en-US"/>
           </a:p>
@@ -2080,7 +2092,7 @@
           <a:p>
             <a:fld id="{55B5673A-2C76-400E-AECF-A7C5CD58B306}" type="datetimeFigureOut">
               <a:rPr lang="zh-TW" altLang="en-US" smtClean="0"/>
-              <a:t>2020/10/12</a:t>
+              <a:t>2020/10/14</a:t>
             </a:fld>
             <a:endParaRPr lang="zh-TW" altLang="en-US"/>
           </a:p>
@@ -2391,7 +2403,7 @@
           <a:p>
             <a:fld id="{55B5673A-2C76-400E-AECF-A7C5CD58B306}" type="datetimeFigureOut">
               <a:rPr lang="zh-TW" altLang="en-US" smtClean="0"/>
-              <a:t>2020/10/12</a:t>
+              <a:t>2020/10/14</a:t>
             </a:fld>
             <a:endParaRPr lang="zh-TW" altLang="en-US"/>
           </a:p>
@@ -2679,7 +2691,7 @@
           <a:p>
             <a:fld id="{55B5673A-2C76-400E-AECF-A7C5CD58B306}" type="datetimeFigureOut">
               <a:rPr lang="zh-TW" altLang="en-US" smtClean="0"/>
-              <a:t>2020/10/12</a:t>
+              <a:t>2020/10/14</a:t>
             </a:fld>
             <a:endParaRPr lang="zh-TW" altLang="en-US"/>
           </a:p>
@@ -2923,7 +2935,7 @@
           <a:p>
             <a:fld id="{55B5673A-2C76-400E-AECF-A7C5CD58B306}" type="datetimeFigureOut">
               <a:rPr lang="zh-TW" altLang="en-US" smtClean="0"/>
-              <a:t>2020/10/12</a:t>
+              <a:t>2020/10/14</a:t>
             </a:fld>
             <a:endParaRPr lang="zh-TW" altLang="en-US"/>
           </a:p>
@@ -4377,18 +4389,23 @@
         </p:nvSpPr>
         <p:spPr>
           <a:xfrm>
-            <a:off x="545941" y="1303111"/>
+            <a:off x="545941" y="1342868"/>
             <a:ext cx="11100117" cy="957332"/>
           </a:xfrm>
         </p:spPr>
         <p:txBody>
           <a:bodyPr>
-            <a:normAutofit/>
+            <a:noAutofit/>
           </a:bodyPr>
           <a:lstStyle/>
           <a:p>
-            <a:r>
-              <a:rPr lang="en-US" altLang="zh-TW" b="0" dirty="0">
+            <a:pPr>
+              <a:lnSpc>
+                <a:spcPct val="150000"/>
+              </a:lnSpc>
+            </a:pPr>
+            <a:r>
+              <a:rPr lang="en-US" altLang="zh-TW" sz="2000" b="0" dirty="0">
                 <a:solidFill>
                   <a:schemeClr val="bg1"/>
                 </a:solidFill>
@@ -4399,7 +4416,7 @@
               <a:t>https://vue-lessons-api.herokuapp.com/photo/list</a:t>
             </a:r>
             <a:r>
-              <a:rPr lang="zh-TW" altLang="en-US" b="1" dirty="0">
+              <a:rPr lang="zh-TW" altLang="en-US" sz="2000" b="1" dirty="0">
                 <a:solidFill>
                   <a:schemeClr val="bg1"/>
                 </a:solidFill>
@@ -4410,7 +4427,7 @@
               <a:t>  </a:t>
             </a:r>
             <a:r>
-              <a:rPr lang="en-US" altLang="zh-TW" b="1" dirty="0">
+              <a:rPr lang="en-US" altLang="zh-TW" sz="2000" b="1" dirty="0">
                 <a:solidFill>
                   <a:schemeClr val="bg1"/>
                 </a:solidFill>
@@ -4421,7 +4438,7 @@
               <a:t>(</a:t>
             </a:r>
             <a:r>
-              <a:rPr lang="zh-TW" altLang="en-US" b="1" dirty="0">
+              <a:rPr lang="zh-TW" altLang="en-US" sz="2000" b="1" dirty="0">
                 <a:solidFill>
                   <a:schemeClr val="bg1"/>
                 </a:solidFill>
@@ -4432,7 +4449,7 @@
               <a:t>圖片列表</a:t>
             </a:r>
             <a:r>
-              <a:rPr lang="en-US" altLang="zh-TW" b="1" dirty="0">
+              <a:rPr lang="en-US" altLang="zh-TW" sz="2000" b="1" dirty="0">
                 <a:solidFill>
                   <a:schemeClr val="bg1"/>
                 </a:solidFill>
@@ -4442,7 +4459,80 @@
               </a:rPr>
               <a:t>)</a:t>
             </a:r>
-            <a:endParaRPr lang="en-US" altLang="zh-TW" b="0" dirty="0">
+          </a:p>
+          <a:p>
+            <a:pPr>
+              <a:lnSpc>
+                <a:spcPct val="150000"/>
+              </a:lnSpc>
+            </a:pPr>
+            <a:r>
+              <a:rPr lang="en-US" altLang="zh-TW" sz="2000" b="0" dirty="0">
+                <a:solidFill>
+                  <a:schemeClr val="bg1"/>
+                </a:solidFill>
+                <a:effectLst/>
+                <a:latin typeface="微軟正黑體" panose="020B0604030504040204" pitchFamily="34" charset="-120"/>
+                <a:ea typeface="微軟正黑體" panose="020B0604030504040204" pitchFamily="34" charset="-120"/>
+              </a:rPr>
+              <a:t>https://vue-lessons-api.herokuapp.com/dom/content</a:t>
+            </a:r>
+            <a:r>
+              <a:rPr lang="zh-TW" altLang="en-US" sz="2000" b="0" dirty="0">
+                <a:solidFill>
+                  <a:schemeClr val="bg1"/>
+                </a:solidFill>
+                <a:effectLst/>
+                <a:latin typeface="微軟正黑體" panose="020B0604030504040204" pitchFamily="34" charset="-120"/>
+                <a:ea typeface="微軟正黑體" panose="020B0604030504040204" pitchFamily="34" charset="-120"/>
+              </a:rPr>
+              <a:t> </a:t>
+            </a:r>
+            <a:r>
+              <a:rPr lang="zh-TW" altLang="en-US" sz="2000" b="1" dirty="0">
+                <a:solidFill>
+                  <a:schemeClr val="bg1"/>
+                </a:solidFill>
+                <a:effectLst/>
+                <a:latin typeface="微軟正黑體" panose="020B0604030504040204" pitchFamily="34" charset="-120"/>
+                <a:ea typeface="微軟正黑體" panose="020B0604030504040204" pitchFamily="34" charset="-120"/>
+              </a:rPr>
+              <a:t> </a:t>
+            </a:r>
+            <a:r>
+              <a:rPr lang="en-US" altLang="zh-TW" sz="2000" b="1" dirty="0">
+                <a:solidFill>
+                  <a:schemeClr val="bg1"/>
+                </a:solidFill>
+                <a:effectLst/>
+                <a:latin typeface="微軟正黑體" panose="020B0604030504040204" pitchFamily="34" charset="-120"/>
+                <a:ea typeface="微軟正黑體" panose="020B0604030504040204" pitchFamily="34" charset="-120"/>
+              </a:rPr>
+              <a:t>(html</a:t>
+            </a:r>
+            <a:r>
+              <a:rPr lang="zh-TW" altLang="en-US" sz="2000" b="1" dirty="0">
+                <a:solidFill>
+                  <a:schemeClr val="bg1"/>
+                </a:solidFill>
+                <a:effectLst/>
+                <a:latin typeface="微軟正黑體" panose="020B0604030504040204" pitchFamily="34" charset="-120"/>
+                <a:ea typeface="微軟正黑體" panose="020B0604030504040204" pitchFamily="34" charset="-120"/>
+              </a:rPr>
+              <a:t>字串</a:t>
+            </a:r>
+            <a:r>
+              <a:rPr lang="en-US" altLang="zh-TW" sz="2000" b="1" dirty="0">
+                <a:solidFill>
+                  <a:schemeClr val="bg1"/>
+                </a:solidFill>
+                <a:effectLst/>
+                <a:latin typeface="微軟正黑體" panose="020B0604030504040204" pitchFamily="34" charset="-120"/>
+                <a:ea typeface="微軟正黑體" panose="020B0604030504040204" pitchFamily="34" charset="-120"/>
+              </a:rPr>
+              <a:t>)</a:t>
+            </a:r>
+            <a:endParaRPr lang="en-US" altLang="zh-TW" sz="2000" b="0" dirty="0">
               <a:solidFill>
                 <a:schemeClr val="bg1"/>
               </a:solidFill>

--- a/VUE-BASE/vue-base.pptx
+++ b/VUE-BASE/vue-base.pptx
@@ -16,7 +16,8 @@
     <p:sldId id="263" r:id="rId10"/>
     <p:sldId id="265" r:id="rId11"/>
     <p:sldId id="267" r:id="rId12"/>
-    <p:sldId id="268" r:id="rId13"/>
+    <p:sldId id="269" r:id="rId13"/>
+    <p:sldId id="268" r:id="rId14"/>
   </p:sldIdLst>
   <p:sldSz cx="12192000" cy="6858000"/>
   <p:notesSz cx="6858000" cy="9144000"/>
@@ -4318,6 +4319,134 @@
           <p:cNvPr id="2" name="標題 1">
             <a:extLst>
               <a:ext uri="{FF2B5EF4-FFF2-40B4-BE49-F238E27FC236}">
+                <a16:creationId xmlns:a16="http://schemas.microsoft.com/office/drawing/2014/main" id="{70A11147-4E47-4075-A105-082B69AEAC42}"/>
+              </a:ext>
+            </a:extLst>
+          </p:cNvPr>
+          <p:cNvSpPr>
+            <a:spLocks noGrp="1"/>
+          </p:cNvSpPr>
+          <p:nvPr>
+            <p:ph type="title"/>
+          </p:nvPr>
+        </p:nvSpPr>
+        <p:spPr>
+          <a:xfrm>
+            <a:off x="1005273" y="2853315"/>
+            <a:ext cx="8939537" cy="691262"/>
+          </a:xfrm>
+        </p:spPr>
+        <p:txBody>
+          <a:bodyPr>
+            <a:normAutofit/>
+          </a:bodyPr>
+          <a:lstStyle/>
+          <a:p>
+            <a:r>
+              <a:rPr lang="zh-TW" altLang="en-US" sz="3200" b="1" dirty="0">
+                <a:solidFill>
+                  <a:srgbClr val="F8F8F2"/>
+                </a:solidFill>
+                <a:effectLst/>
+                <a:latin typeface="微軟正黑體" panose="020B0604030504040204" pitchFamily="34" charset="-120"/>
+                <a:ea typeface="微軟正黑體" panose="020B0604030504040204" pitchFamily="34" charset="-120"/>
+              </a:rPr>
+              <a:t>事件修飾符 </a:t>
+            </a:r>
+            <a:r>
+              <a:rPr lang="en-US" altLang="zh-TW" sz="3200" b="1" i="0" dirty="0">
+                <a:solidFill>
+                  <a:schemeClr val="bg1"/>
+                </a:solidFill>
+                <a:effectLst/>
+                <a:latin typeface="微軟正黑體" panose="020B0604030504040204" pitchFamily="34" charset="-120"/>
+                <a:ea typeface="微軟正黑體" panose="020B0604030504040204" pitchFamily="34" charset="-120"/>
+              </a:rPr>
+              <a:t>Event Modifiers </a:t>
+            </a:r>
+            <a:endParaRPr lang="zh-TW" altLang="en-US" sz="3200" b="1" dirty="0">
+              <a:solidFill>
+                <a:schemeClr val="bg1"/>
+              </a:solidFill>
+              <a:latin typeface="微軟正黑體" panose="020B0604030504040204" pitchFamily="34" charset="-120"/>
+              <a:ea typeface="微軟正黑體" panose="020B0604030504040204" pitchFamily="34" charset="-120"/>
+            </a:endParaRPr>
+          </a:p>
+        </p:txBody>
+      </p:sp>
+      <p:sp>
+        <p:nvSpPr>
+          <p:cNvPr id="5" name="文字方塊 4">
+            <a:extLst>
+              <a:ext uri="{FF2B5EF4-FFF2-40B4-BE49-F238E27FC236}">
+                <a16:creationId xmlns:a16="http://schemas.microsoft.com/office/drawing/2014/main" id="{8BB785BD-8961-48DD-9807-CA99A9C9DDA8}"/>
+              </a:ext>
+            </a:extLst>
+          </p:cNvPr>
+          <p:cNvSpPr txBox="1"/>
+          <p:nvPr/>
+        </p:nvSpPr>
+        <p:spPr>
+          <a:xfrm>
+            <a:off x="1005273" y="3544577"/>
+            <a:ext cx="10677939" cy="523220"/>
+          </a:xfrm>
+          <a:prstGeom prst="rect">
+            <a:avLst/>
+          </a:prstGeom>
+          <a:noFill/>
+        </p:spPr>
+        <p:txBody>
+          <a:bodyPr wrap="square">
+            <a:spAutoFit/>
+          </a:bodyPr>
+          <a:lstStyle/>
+          <a:p>
+            <a:r>
+              <a:rPr lang="zh-TW" altLang="en-US" sz="2800" dirty="0">
+                <a:hlinkClick r:id="rId2"/>
+              </a:rPr>
+              <a:t>https://v3.vuejs.org/guide/events.html#multiple-event-handlers</a:t>
+            </a:r>
+            <a:endParaRPr lang="en-US" altLang="zh-TW" sz="2800" dirty="0"/>
+          </a:p>
+        </p:txBody>
+      </p:sp>
+    </p:spTree>
+    <p:extLst>
+      <p:ext uri="{BB962C8B-B14F-4D97-AF65-F5344CB8AC3E}">
+        <p14:creationId xmlns:p14="http://schemas.microsoft.com/office/powerpoint/2010/main" val="1111608454"/>
+      </p:ext>
+    </p:extLst>
+  </p:cSld>
+  <p:clrMapOvr>
+    <a:masterClrMapping/>
+  </p:clrMapOvr>
+</p:sld>
+</file>
+
+<file path=ppt/slides/slide13.xml><?xml version="1.0" encoding="utf-8"?>
+<p:sld xmlns:a="http://schemas.openxmlformats.org/drawingml/2006/main" xmlns:r="http://schemas.openxmlformats.org/officeDocument/2006/relationships" xmlns:p="http://schemas.openxmlformats.org/presentationml/2006/main">
+  <p:cSld>
+    <p:spTree>
+      <p:nvGrpSpPr>
+        <p:cNvPr id="1" name=""/>
+        <p:cNvGrpSpPr/>
+        <p:nvPr/>
+      </p:nvGrpSpPr>
+      <p:grpSpPr>
+        <a:xfrm>
+          <a:off x="0" y="0"/>
+          <a:ext cx="0" cy="0"/>
+          <a:chOff x="0" y="0"/>
+          <a:chExt cx="0" cy="0"/>
+        </a:xfrm>
+      </p:grpSpPr>
+      <p:sp>
+        <p:nvSpPr>
+          <p:cNvPr id="2" name="標題 1">
+            <a:extLst>
+              <a:ext uri="{FF2B5EF4-FFF2-40B4-BE49-F238E27FC236}">
                 <a16:creationId xmlns:a16="http://schemas.microsoft.com/office/drawing/2014/main" id="{7B03FB67-E384-4A92-8AA5-993C73C6A628}"/>
               </a:ext>
             </a:extLst>
